--- a/Team Kappa Final.pptx
+++ b/Team Kappa Final.pptx
@@ -17,7 +17,8 @@
     <p:sldId id="265" r:id="rId11"/>
     <p:sldId id="266" r:id="rId12"/>
     <p:sldId id="267" r:id="rId13"/>
-    <p:sldId id="268" r:id="rId14"/>
+    <p:sldId id="269" r:id="rId14"/>
+    <p:sldId id="268" r:id="rId15"/>
   </p:sldIdLst>
   <p:sldSz cx="12192000" cy="6858000"/>
   <p:notesSz cx="6858000" cy="9144000"/>
@@ -6046,7 +6047,7 @@
                 <a16:creationId xmlns:a16="http://schemas.microsoft.com/office/drawing/2014/main" id="{27A85E05-9D34-4977-8352-DB3956997445}"/>
               </a:ext>
               <a:ext uri="{C183D7F6-B498-43B3-948B-1728B52AA6E4}">
-                <adec:decorative xmlns:adec="http://schemas.microsoft.com/office/drawing/2017/decorative" val="1"/>
+                <adec:decorative xmlns:adec="http://schemas.microsoft.com/office/drawing/2017/decorative" xmlns="" val="1"/>
               </a:ext>
             </a:extLst>
           </p:cNvPr>
@@ -6100,7 +6101,7 @@
                 <a16:creationId xmlns:a16="http://schemas.microsoft.com/office/drawing/2014/main" id="{5CDED616-E554-4DB6-9F28-08F38A64A940}"/>
               </a:ext>
               <a:ext uri="{C183D7F6-B498-43B3-948B-1728B52AA6E4}">
-                <adec:decorative xmlns:adec="http://schemas.microsoft.com/office/drawing/2017/decorative" val="1"/>
+                <adec:decorative xmlns:adec="http://schemas.microsoft.com/office/drawing/2017/decorative" xmlns="" val="1"/>
               </a:ext>
             </a:extLst>
           </p:cNvPr>
@@ -6154,7 +6155,7 @@
                 <a16:creationId xmlns:a16="http://schemas.microsoft.com/office/drawing/2014/main" id="{8CDA3497-1EDA-4EB3-9C27-4D9835D30AAB}"/>
               </a:ext>
               <a:ext uri="{C183D7F6-B498-43B3-948B-1728B52AA6E4}">
-                <adec:decorative xmlns:adec="http://schemas.microsoft.com/office/drawing/2017/decorative" val="1"/>
+                <adec:decorative xmlns:adec="http://schemas.microsoft.com/office/drawing/2017/decorative" xmlns="" val="1"/>
               </a:ext>
             </a:extLst>
           </p:cNvPr>
@@ -6234,7 +6235,7 @@
                 <a16:creationId xmlns:a16="http://schemas.microsoft.com/office/drawing/2014/main" id="{41F9764E-9AA0-49A3-9EA2-885EE9914014}"/>
               </a:ext>
               <a:ext uri="{C183D7F6-B498-43B3-948B-1728B52AA6E4}">
-                <adec:decorative xmlns:adec="http://schemas.microsoft.com/office/drawing/2017/decorative" val="1"/>
+                <adec:decorative xmlns:adec="http://schemas.microsoft.com/office/drawing/2017/decorative" xmlns="" val="1"/>
               </a:ext>
             </a:extLst>
           </p:cNvPr>
@@ -6314,7 +6315,7 @@
                 <a16:creationId xmlns:a16="http://schemas.microsoft.com/office/drawing/2014/main" id="{FA3A4F4A-4DC4-43F2-AC2D-06211A812FC0}"/>
               </a:ext>
               <a:ext uri="{C183D7F6-B498-43B3-948B-1728B52AA6E4}">
-                <adec:decorative xmlns:adec="http://schemas.microsoft.com/office/drawing/2017/decorative" val="1"/>
+                <adec:decorative xmlns:adec="http://schemas.microsoft.com/office/drawing/2017/decorative" xmlns="" val="1"/>
               </a:ext>
             </a:extLst>
           </p:cNvPr>
@@ -6372,7 +6373,7 @@
                 <a16:creationId xmlns:a16="http://schemas.microsoft.com/office/drawing/2014/main" id="{84CFB374-B343-457A-B567-B4D784B1FEAE}"/>
               </a:ext>
               <a:ext uri="{C183D7F6-B498-43B3-948B-1728B52AA6E4}">
-                <adec:decorative xmlns:adec="http://schemas.microsoft.com/office/drawing/2017/decorative" val="1"/>
+                <adec:decorative xmlns:adec="http://schemas.microsoft.com/office/drawing/2017/decorative" xmlns="" val="1"/>
               </a:ext>
             </a:extLst>
           </p:cNvPr>
@@ -6453,7 +6454,7 @@
                 <a16:creationId xmlns:a16="http://schemas.microsoft.com/office/drawing/2014/main" id="{0597FEEE-1E11-4396-BB69-B43FA92F9580}"/>
               </a:ext>
               <a:ext uri="{C183D7F6-B498-43B3-948B-1728B52AA6E4}">
-                <adec:decorative xmlns:adec="http://schemas.microsoft.com/office/drawing/2017/decorative" val="1"/>
+                <adec:decorative xmlns:adec="http://schemas.microsoft.com/office/drawing/2017/decorative" xmlns="" val="1"/>
               </a:ext>
             </a:extLst>
           </p:cNvPr>
@@ -6535,7 +6536,7 @@
                 <a16:creationId xmlns:a16="http://schemas.microsoft.com/office/drawing/2014/main" id="{A2DB2F81-3E68-4044-B7C2-03DEEC50D8F5}"/>
               </a:ext>
               <a:ext uri="{C183D7F6-B498-43B3-948B-1728B52AA6E4}">
-                <adec:decorative xmlns:adec="http://schemas.microsoft.com/office/drawing/2017/decorative" val="1"/>
+                <adec:decorative xmlns:adec="http://schemas.microsoft.com/office/drawing/2017/decorative" xmlns="" val="1"/>
               </a:ext>
             </a:extLst>
           </p:cNvPr>
@@ -6615,7 +6616,7 @@
                 <a16:creationId xmlns:a16="http://schemas.microsoft.com/office/drawing/2014/main" id="{DC2F7294-2397-4C96-AB1E-E66CDEA3B5DF}"/>
               </a:ext>
               <a:ext uri="{C183D7F6-B498-43B3-948B-1728B52AA6E4}">
-                <adec:decorative xmlns:adec="http://schemas.microsoft.com/office/drawing/2017/decorative" val="1"/>
+                <adec:decorative xmlns:adec="http://schemas.microsoft.com/office/drawing/2017/decorative" xmlns="" val="1"/>
               </a:ext>
             </a:extLst>
           </p:cNvPr>
@@ -7792,6 +7793,90 @@
           <a:chExt cx="0" cy="0"/>
         </a:xfrm>
       </p:grpSpPr>
+      <p:pic>
+        <p:nvPicPr>
+          <p:cNvPr id="1026" name="Picture 1" descr="image001"/>
+          <p:cNvPicPr>
+            <a:picLocks noChangeAspect="1" noChangeArrowheads="1"/>
+          </p:cNvPicPr>
+          <p:nvPr/>
+        </p:nvPicPr>
+        <p:blipFill>
+          <a:blip r:embed="rId2">
+            <a:extLst>
+              <a:ext uri="{28A0092B-C50C-407E-A947-70E740481C1C}">
+                <a14:useLocalDpi xmlns:a14="http://schemas.microsoft.com/office/drawing/2010/main" val="0"/>
+              </a:ext>
+            </a:extLst>
+          </a:blip>
+          <a:srcRect/>
+          <a:stretch>
+            <a:fillRect/>
+          </a:stretch>
+        </p:blipFill>
+        <p:spPr bwMode="auto">
+          <a:xfrm>
+            <a:off x="628352" y="514404"/>
+            <a:ext cx="10012363" cy="6096000"/>
+          </a:xfrm>
+          <a:prstGeom prst="rect">
+            <a:avLst/>
+          </a:prstGeom>
+          <a:noFill/>
+          <a:ln>
+            <a:noFill/>
+          </a:ln>
+          <a:extLst>
+            <a:ext uri="{909E8E84-426E-40DD-AFC4-6F175D3DCCD1}">
+              <a14:hiddenFill xmlns:a14="http://schemas.microsoft.com/office/drawing/2010/main">
+                <a:solidFill>
+                  <a:srgbClr val="FFFFFF"/>
+                </a:solidFill>
+              </a14:hiddenFill>
+            </a:ext>
+            <a:ext uri="{91240B29-F687-4F45-9708-019B960494DF}">
+              <a14:hiddenLine xmlns:a14="http://schemas.microsoft.com/office/drawing/2010/main" w="9525">
+                <a:solidFill>
+                  <a:srgbClr val="000000"/>
+                </a:solidFill>
+                <a:miter lim="800000"/>
+                <a:headEnd/>
+                <a:tailEnd/>
+              </a14:hiddenLine>
+            </a:ext>
+          </a:extLst>
+        </p:spPr>
+      </p:pic>
+    </p:spTree>
+    <p:extLst>
+      <p:ext uri="{BB962C8B-B14F-4D97-AF65-F5344CB8AC3E}">
+        <p14:creationId xmlns:p14="http://schemas.microsoft.com/office/powerpoint/2010/main" val="1784848077"/>
+      </p:ext>
+    </p:extLst>
+  </p:cSld>
+  <p:clrMapOvr>
+    <a:masterClrMapping/>
+  </p:clrMapOvr>
+</p:sld>
+</file>
+
+<file path=ppt/slides/slide14.xml><?xml version="1.0" encoding="utf-8"?>
+<p:sld xmlns:a="http://schemas.openxmlformats.org/drawingml/2006/main" xmlns:r="http://schemas.openxmlformats.org/officeDocument/2006/relationships" xmlns:p="http://schemas.openxmlformats.org/presentationml/2006/main">
+  <p:cSld>
+    <p:spTree>
+      <p:nvGrpSpPr>
+        <p:cNvPr id="1" name=""/>
+        <p:cNvGrpSpPr/>
+        <p:nvPr/>
+      </p:nvGrpSpPr>
+      <p:grpSpPr>
+        <a:xfrm>
+          <a:off x="0" y="0"/>
+          <a:ext cx="0" cy="0"/>
+          <a:chOff x="0" y="0"/>
+          <a:chExt cx="0" cy="0"/>
+        </a:xfrm>
+      </p:grpSpPr>
       <p:sp>
         <p:nvSpPr>
           <p:cNvPr id="2" name="Title 1">
@@ -7832,6 +7917,35 @@
           </a:p>
         </p:txBody>
       </p:sp>
+      <p:pic>
+        <p:nvPicPr>
+          <p:cNvPr id="3" name="Picture 2"/>
+          <p:cNvPicPr>
+            <a:picLocks noChangeAspect="1"/>
+          </p:cNvPicPr>
+          <p:nvPr/>
+        </p:nvPicPr>
+        <p:blipFill rotWithShape="1">
+          <a:blip r:embed="rId2">
+            <a:extLst>
+              <a:ext uri="{28A0092B-C50C-407E-A947-70E740481C1C}">
+                <a14:useLocalDpi xmlns:a14="http://schemas.microsoft.com/office/drawing/2010/main" val="0"/>
+              </a:ext>
+            </a:extLst>
+          </a:blip>
+          <a:srcRect r="15152"/>
+          <a:stretch/>
+        </p:blipFill>
+        <p:spPr>
+          <a:xfrm>
+            <a:off x="1669775" y="3294079"/>
+            <a:ext cx="6294782" cy="3343616"/>
+          </a:xfrm>
+          <a:prstGeom prst="rect">
+            <a:avLst/>
+          </a:prstGeom>
+        </p:spPr>
+      </p:pic>
     </p:spTree>
     <p:extLst>
       <p:ext uri="{BB962C8B-B14F-4D97-AF65-F5344CB8AC3E}">
@@ -8365,12 +8479,18 @@
           </a:xfrm>
         </p:spPr>
         <p:txBody>
-          <a:bodyPr/>
+          <a:bodyPr>
+            <a:normAutofit fontScale="90000"/>
+          </a:bodyPr>
           <a:lstStyle/>
           <a:p>
             <a:r>
               <a:rPr lang="en-US" sz="7200" dirty="0"/>
               <a:t>Lets Give It A Try!</a:t>
+            </a:r>
+            <a:r>
+              <a:rPr lang="en-US" dirty="0"/>
+              <a:t/>
             </a:r>
             <a:br>
               <a:rPr lang="en-US" dirty="0"/>
@@ -8400,8 +8520,28 @@
               <a:t>text us </a:t>
             </a:r>
             <a:r>
+              <a:rPr lang="en-US" dirty="0" smtClean="0">
+                <a:solidFill>
+                  <a:schemeClr val="tx1"/>
+                </a:solidFill>
+              </a:rPr>
+              <a:t>First Name Last Name </a:t>
+            </a:r>
+            <a:r>
+              <a:rPr lang="en-US" smtClean="0">
+                <a:solidFill>
+                  <a:schemeClr val="tx1"/>
+                </a:solidFill>
+              </a:rPr>
+              <a:t>and Question </a:t>
+            </a:r>
+            <a:r>
+              <a:rPr lang="en-US" dirty="0" smtClean="0"/>
+              <a:t>at</a:t>
+            </a:r>
+            <a:r>
               <a:rPr lang="en-US" dirty="0"/>
-              <a:t>at: </a:t>
+              <a:t>: </a:t>
             </a:r>
             <a:endParaRPr lang="en-US" dirty="0">
               <a:solidFill>
